--- a/project-1-nhl.pptx
+++ b/project-1-nhl.pptx
@@ -2436,8 +2436,8 @@
       </dsp:nvSpPr>
       <dsp:spPr>
         <a:xfrm>
-          <a:off x="0" y="2792381"/>
-          <a:ext cx="6245265" cy="1265610"/>
+          <a:off x="0" y="2791558"/>
+          <a:ext cx="6245265" cy="1295043"/>
         </a:xfrm>
         <a:prstGeom prst="roundRect">
           <a:avLst/>
@@ -2503,8 +2503,8 @@
         </a:p>
       </dsp:txBody>
       <dsp:txXfrm>
-        <a:off x="61782" y="2854163"/>
-        <a:ext cx="6121701" cy="1142046"/>
+        <a:off x="63219" y="2854777"/>
+        <a:ext cx="6118827" cy="1168605"/>
       </dsp:txXfrm>
     </dsp:sp>
     <dsp:sp modelId="{2314B425-D59F-44F7-BD49-FDBFA4C40818}">
@@ -2514,8 +2514,8 @@
       </dsp:nvSpPr>
       <dsp:spPr>
         <a:xfrm>
-          <a:off x="0" y="127874"/>
-          <a:ext cx="6245265" cy="1265610"/>
+          <a:off x="0" y="69008"/>
+          <a:ext cx="6245265" cy="1295043"/>
         </a:xfrm>
         <a:prstGeom prst="roundRect">
           <a:avLst/>
@@ -2581,8 +2581,8 @@
         </a:p>
       </dsp:txBody>
       <dsp:txXfrm>
-        <a:off x="61782" y="189656"/>
-        <a:ext cx="6121701" cy="1142046"/>
+        <a:off x="63219" y="132227"/>
+        <a:ext cx="6118827" cy="1168605"/>
       </dsp:txXfrm>
     </dsp:sp>
     <dsp:sp modelId="{128111EA-389C-49A2-B6CC-56FF56F54E11}">
@@ -2592,8 +2592,8 @@
       </dsp:nvSpPr>
       <dsp:spPr>
         <a:xfrm>
-          <a:off x="0" y="1439104"/>
-          <a:ext cx="6245265" cy="1265610"/>
+          <a:off x="0" y="1409671"/>
+          <a:ext cx="6245265" cy="1295043"/>
         </a:xfrm>
         <a:prstGeom prst="roundRect">
           <a:avLst/>
@@ -2659,8 +2659,8 @@
         </a:p>
       </dsp:txBody>
       <dsp:txXfrm>
-        <a:off x="61782" y="1500886"/>
-        <a:ext cx="6121701" cy="1142046"/>
+        <a:off x="63219" y="1472890"/>
+        <a:ext cx="6118827" cy="1168605"/>
       </dsp:txXfrm>
     </dsp:sp>
     <dsp:sp modelId="{79E292A9-84D8-4FC5-9382-5486B418C887}">
@@ -2670,8 +2670,8 @@
       </dsp:nvSpPr>
       <dsp:spPr>
         <a:xfrm>
-          <a:off x="0" y="4159644"/>
-          <a:ext cx="6245265" cy="1265610"/>
+          <a:off x="0" y="4189077"/>
+          <a:ext cx="6245265" cy="1295043"/>
         </a:xfrm>
         <a:prstGeom prst="roundRect">
           <a:avLst/>
@@ -2737,8 +2737,8 @@
         </a:p>
       </dsp:txBody>
       <dsp:txXfrm>
-        <a:off x="61782" y="4221426"/>
-        <a:ext cx="6121701" cy="1142046"/>
+        <a:off x="63219" y="4252296"/>
+        <a:ext cx="6118827" cy="1168605"/>
       </dsp:txXfrm>
     </dsp:sp>
   </dsp:spTree>
@@ -5865,7 +5865,7 @@
           <a:p>
             <a:fld id="{5EA28068-AFBD-4979-B752-9EB6F90B1386}" type="datetimeFigureOut">
               <a:rPr lang="en-US" smtClean="0"/>
-              <a:t>6/4/2023</a:t>
+              <a:t>6/5/2023</a:t>
             </a:fld>
             <a:endParaRPr lang="en-US" dirty="0"/>
           </a:p>
@@ -18326,8 +18326,8 @@
         </p:blipFill>
         <p:spPr>
           <a:xfrm>
-            <a:off x="1419225" y="1438275"/>
-            <a:ext cx="9201150" cy="4476750"/>
+            <a:off x="1419225" y="1283007"/>
+            <a:ext cx="9201150" cy="4246525"/>
           </a:xfrm>
           <a:prstGeom prst="rect">
             <a:avLst/>
@@ -18383,8 +18383,8 @@
         </p:nvSpPr>
         <p:spPr>
           <a:xfrm>
-            <a:off x="676275" y="5906611"/>
-            <a:ext cx="10477500" cy="1477328"/>
+            <a:off x="676275" y="5544303"/>
+            <a:ext cx="10477500" cy="1754326"/>
           </a:xfrm>
           <a:prstGeom prst="rect">
             <a:avLst/>
@@ -18403,7 +18403,7 @@
                 <a:effectLst/>
                 <a:latin typeface="var(--notebook-cell-output-font-family)"/>
               </a:rPr>
-              <a:t>Of the 2000+ entries, +2 to -2 is very dense. The winning team (blue) has a slightly above 0 stronger representation with an average +/- of slightly above 4 and the losing team at 2. When compare the two sets of values, the p-value supports that there is a very strong correlation between a more positive +/- and winning. </a:t>
+              <a:t>Of the 2000+ entries, +2 to -2 is very dense. The winning team (blue) has a slightly above 0 stronger representation with an average +/- of slightly above 4 and the losing team at 2. When comparing the two sets of values, the p-value supports that there is a very strong correlation between a more positive +/- and winning. </a:t>
             </a:r>
           </a:p>
           <a:p>
@@ -18819,7 +18819,17 @@
               <a:rPr lang="en-US" b="0" i="0" dirty="0">
                 <a:effectLst/>
               </a:rPr>
-              <a:t>When comparing the identified key stats for the season between the winning and losing team, it is apparent that the one stat with the most material difference and impact is the '+/-'.</a:t>
+              <a:t>When comparing the identified key stats for </a:t>
+            </a:r>
+            <a:r>
+              <a:rPr lang="en-US" dirty="0"/>
+              <a:t>all</a:t>
+            </a:r>
+            <a:r>
+              <a:rPr lang="en-US" b="0" i="0" dirty="0">
+                <a:effectLst/>
+              </a:rPr>
+              <a:t> seasons between the winning and losing team, it is apparent that the one statistic with the most material difference and impact is the '+/-'.</a:t>
             </a:r>
             <a:endParaRPr lang="en-US" dirty="0"/>
           </a:p>
@@ -25462,7 +25472,7 @@
                 <a:effectLst/>
                 <a:latin typeface="-apple-system"/>
               </a:rPr>
-              <a:t> Age, Penalty Infraction Minutes(PIM), Power Play Goals(PPG), Points(Pts), Plus/Minus(+/-), </a:t>
+              <a:t> Age, Nationality Penalty Infraction Minutes(PIM), Power Play Goals(PPG), Points(Pts), Plus/Minus(+/-), </a:t>
             </a:r>
             <a:r>
               <a:rPr lang="en-US" dirty="0">
@@ -27386,7 +27396,7 @@
               <a:rPr lang="en-US" b="0" i="0" dirty="0">
                 <a:effectLst/>
               </a:rPr>
-              <a:t>The Canadian player reduction in representation was most significant impacted in the decade of 2003-2012 and has remained consistent since.</a:t>
+              <a:t>The Canadian player reduction in representation was most significantly impacted in the decade of 2003-2012 and has remained consistent since.</a:t>
             </a:r>
             <a:endParaRPr lang="en-US" dirty="0"/>
           </a:p>
@@ -27932,21 +27942,21 @@
 </file>
 
 <file path=customXml/item1.xml><?xml version="1.0" encoding="utf-8"?>
+<p:properties xmlns:p="http://schemas.microsoft.com/office/2006/metadata/properties" xmlns:xsi="http://www.w3.org/2001/XMLSchema-instance" xmlns:pc="http://schemas.microsoft.com/office/infopath/2007/PartnerControls">
+  <documentManagement>
+    <Status xmlns="71af3243-3dd4-4a8d-8c0d-dd76da1f02a5">Not started</Status>
+    <MediaServiceKeyPoints xmlns="71af3243-3dd4-4a8d-8c0d-dd76da1f02a5" xsi:nil="true"/>
+  </documentManagement>
+</p:properties>
+</file>
+
+<file path=customXml/item2.xml><?xml version="1.0" encoding="utf-8"?>
 <?mso-contentType ?>
 <FormTemplates xmlns="http://schemas.microsoft.com/sharepoint/v3/contenttype/forms">
   <Display>DocumentLibraryForm</Display>
   <Edit>DocumentLibraryForm</Edit>
   <New>DocumentLibraryForm</New>
 </FormTemplates>
-</file>
-
-<file path=customXml/item2.xml><?xml version="1.0" encoding="utf-8"?>
-<p:properties xmlns:p="http://schemas.microsoft.com/office/2006/metadata/properties" xmlns:xsi="http://www.w3.org/2001/XMLSchema-instance" xmlns:pc="http://schemas.microsoft.com/office/infopath/2007/PartnerControls">
-  <documentManagement>
-    <Status xmlns="71af3243-3dd4-4a8d-8c0d-dd76da1f02a5">Not started</Status>
-    <MediaServiceKeyPoints xmlns="71af3243-3dd4-4a8d-8c0d-dd76da1f02a5" xsi:nil="true"/>
-  </documentManagement>
-</p:properties>
 </file>
 
 <file path=customXml/item3.xml><?xml version="1.0" encoding="utf-8"?>
@@ -28171,19 +28181,19 @@
 </file>
 
 <file path=customXml/itemProps1.xml><?xml version="1.0" encoding="utf-8"?>
-<ds:datastoreItem xmlns:ds="http://schemas.openxmlformats.org/officeDocument/2006/customXml" ds:itemID="{3C8E00D1-8EA3-4E42-801D-0253E1EAFC21}">
+<ds:datastoreItem xmlns:ds="http://schemas.openxmlformats.org/officeDocument/2006/customXml" ds:itemID="{99919F73-B6C2-4A43-95E2-833EC48925FE}">
   <ds:schemaRefs>
-    <ds:schemaRef ds:uri="http://schemas.microsoft.com/sharepoint/v3/contenttype/forms"/>
+    <ds:schemaRef ds:uri="http://schemas.microsoft.com/office/2006/metadata/properties"/>
+    <ds:schemaRef ds:uri="http://schemas.microsoft.com/office/infopath/2007/PartnerControls"/>
+    <ds:schemaRef ds:uri="71af3243-3dd4-4a8d-8c0d-dd76da1f02a5"/>
   </ds:schemaRefs>
 </ds:datastoreItem>
 </file>
 
 <file path=customXml/itemProps2.xml><?xml version="1.0" encoding="utf-8"?>
-<ds:datastoreItem xmlns:ds="http://schemas.openxmlformats.org/officeDocument/2006/customXml" ds:itemID="{99919F73-B6C2-4A43-95E2-833EC48925FE}">
+<ds:datastoreItem xmlns:ds="http://schemas.openxmlformats.org/officeDocument/2006/customXml" ds:itemID="{3C8E00D1-8EA3-4E42-801D-0253E1EAFC21}">
   <ds:schemaRefs>
-    <ds:schemaRef ds:uri="http://schemas.microsoft.com/office/2006/metadata/properties"/>
-    <ds:schemaRef ds:uri="http://schemas.microsoft.com/office/infopath/2007/PartnerControls"/>
-    <ds:schemaRef ds:uri="71af3243-3dd4-4a8d-8c0d-dd76da1f02a5"/>
+    <ds:schemaRef ds:uri="http://schemas.microsoft.com/sharepoint/v3/contenttype/forms"/>
   </ds:schemaRefs>
 </ds:datastoreItem>
 </file>

--- a/project-1-nhl.pptx
+++ b/project-1-nhl.pptx
@@ -24402,9 +24402,39 @@
           <a:p>
             <a:pPr lvl="1"/>
             <a:r>
+              <a:rPr lang="en-US" sz="1800" dirty="0">
+                <a:hlinkClick r:id="rId5"/>
+              </a:rPr>
+              <a:t>https://en.wikipedia.org/wiki/Ice_hockey_statistics#:~:text=Team%20statistics%20STK%20-%20winning%20or%20losing%20streak,tie%20%28Note%3A%20The%20NHL%20no%20longer%20uses%20ties</a:t>
+            </a:r>
+            <a:r>
               <a:rPr lang="en-US" sz="1800" dirty="0"/>
-              <a:t>https://en.wikipedia.org/wiki/Ice_hockey_statistics#:~:text=Team%20statistics%20STK%20-%20winning%20or%20losing%20streak,tie%20%28Note%3A%20The%20NHL%20no%20longer%20uses%20ties.</a:t>
+              <a:t>.</a:t>
             </a:r>
+          </a:p>
+          <a:p>
+            <a:pPr lvl="1"/>
+            <a:r>
+              <a:rPr lang="en-US" altLang="en-US" sz="1800" u="sng" dirty="0">
+                <a:solidFill>
+                  <a:srgbClr val="1D1C1D"/>
+                </a:solidFill>
+                <a:latin typeface="Monaco"/>
+                <a:hlinkClick r:id="rId6"/>
+              </a:rPr>
+              <a:t>https://en.wikipedia.org/wiki/List_of_Stanley_Cup_champions</a:t>
+            </a:r>
+            <a:r>
+              <a:rPr lang="en-US" altLang="en-US" sz="1600" dirty="0"/>
+              <a:t> </a:t>
+            </a:r>
+            <a:endParaRPr lang="en-US" altLang="en-US" sz="4400" dirty="0">
+              <a:latin typeface="Arial" panose="020B0604020202020204" pitchFamily="34" charset="0"/>
+            </a:endParaRPr>
+          </a:p>
+          <a:p>
+            <a:pPr lvl="1"/>
+            <a:endParaRPr lang="en-US" sz="1800" dirty="0"/>
           </a:p>
           <a:p>
             <a:pPr lvl="1"/>
@@ -25044,6 +25074,52 @@
                               <p:par>
                                 <p:cTn id="23" presetID="10" presetClass="entr" presetSubtype="0" fill="hold" grpId="0" nodeType="withEffect">
                                   <p:stCondLst>
+                                    <p:cond delay="1000"/>
+                                  </p:stCondLst>
+                                  <p:iterate type="wd">
+                                    <p:tmPct val="15000"/>
+                                  </p:iterate>
+                                  <p:childTnLst>
+                                    <p:set>
+                                      <p:cBhvr>
+                                        <p:cTn id="24" dur="1" fill="hold">
+                                          <p:stCondLst>
+                                            <p:cond delay="0"/>
+                                          </p:stCondLst>
+                                        </p:cTn>
+                                        <p:tgtEl>
+                                          <p:spTgt spid="8">
+                                            <p:txEl>
+                                              <p:pRg st="6" end="6"/>
+                                            </p:txEl>
+                                          </p:spTgt>
+                                        </p:tgtEl>
+                                        <p:attrNameLst>
+                                          <p:attrName>style.visibility</p:attrName>
+                                        </p:attrNameLst>
+                                      </p:cBhvr>
+                                      <p:to>
+                                        <p:strVal val="visible"/>
+                                      </p:to>
+                                    </p:set>
+                                    <p:animEffect transition="in" filter="fade">
+                                      <p:cBhvr>
+                                        <p:cTn id="25" dur="1000"/>
+                                        <p:tgtEl>
+                                          <p:spTgt spid="8">
+                                            <p:txEl>
+                                              <p:pRg st="6" end="6"/>
+                                            </p:txEl>
+                                          </p:spTgt>
+                                        </p:tgtEl>
+                                      </p:cBhvr>
+                                    </p:animEffect>
+                                  </p:childTnLst>
+                                </p:cTn>
+                              </p:par>
+                              <p:par>
+                                <p:cTn id="26" presetID="10" presetClass="entr" presetSubtype="0" fill="hold" grpId="0" nodeType="withEffect">
+                                  <p:stCondLst>
                                     <p:cond delay="500"/>
                                   </p:stCondLst>
                                   <p:iterate type="wd">
@@ -25052,7 +25128,7 @@
                                   <p:childTnLst>
                                     <p:set>
                                       <p:cBhvr>
-                                        <p:cTn id="24" dur="1" fill="hold">
+                                        <p:cTn id="27" dur="1" fill="hold">
                                           <p:stCondLst>
                                             <p:cond delay="0"/>
                                           </p:stCondLst>
@@ -25070,7 +25146,7 @@
                                     </p:set>
                                     <p:animEffect transition="in" filter="fade">
                                       <p:cBhvr>
-                                        <p:cTn id="25" dur="1000"/>
+                                        <p:cTn id="28" dur="1000"/>
                                         <p:tgtEl>
                                           <p:spTgt spid="2"/>
                                         </p:tgtEl>
@@ -26735,8 +26811,8 @@
         </p:nvSpPr>
         <p:spPr bwMode="auto">
           <a:xfrm>
-            <a:off x="2842672" y="5433725"/>
-            <a:ext cx="6506653" cy="861774"/>
+            <a:off x="2842672" y="5326003"/>
+            <a:ext cx="6506653" cy="1077218"/>
           </a:xfrm>
           <a:prstGeom prst="rect">
             <a:avLst/>
@@ -26779,6 +26855,53 @@
           </a:bodyPr>
           <a:lstStyle/>
           <a:p>
+            <a:pPr eaLnBrk="0" fontAlgn="base" hangingPunct="0">
+              <a:spcBef>
+                <a:spcPct val="0"/>
+              </a:spcBef>
+              <a:spcAft>
+                <a:spcPct val="0"/>
+              </a:spcAft>
+            </a:pPr>
+            <a:r>
+              <a:rPr kumimoji="0" lang="en-US" altLang="en-US" sz="1400" b="0" i="0" u="sng" strike="noStrike" cap="none" normalizeH="0" baseline="0" dirty="0">
+                <a:ln>
+                  <a:noFill/>
+                </a:ln>
+                <a:solidFill>
+                  <a:srgbClr val="1D1C1D"/>
+                </a:solidFill>
+                <a:effectLst/>
+                <a:latin typeface="Monaco"/>
+                <a:hlinkClick r:id="rId3"/>
+              </a:rPr>
+              <a:t>https://en.wikipedia.org/wiki/List_of_Stanley_Cup_champions</a:t>
+            </a:r>
+            <a:r>
+              <a:rPr kumimoji="0" lang="en-US" altLang="en-US" sz="1200" b="0" i="0" u="none" strike="noStrike" cap="none" normalizeH="0" baseline="0" dirty="0">
+                <a:ln>
+                  <a:noFill/>
+                </a:ln>
+                <a:solidFill>
+                  <a:schemeClr val="tx1"/>
+                </a:solidFill>
+                <a:effectLst/>
+              </a:rPr>
+              <a:t> </a:t>
+            </a:r>
+            <a:endParaRPr kumimoji="0" lang="en-US" altLang="en-US" sz="1400" b="0" i="0" u="none" strike="noStrike" cap="none" normalizeH="0" baseline="0" dirty="0">
+              <a:ln>
+                <a:noFill/>
+              </a:ln>
+              <a:solidFill>
+                <a:srgbClr val="1F2328"/>
+              </a:solidFill>
+              <a:effectLst/>
+              <a:latin typeface="ui-monospace"/>
+              <a:hlinkClick r:id="rId4"/>
+            </a:endParaRPr>
+          </a:p>
+          <a:p>
             <a:pPr marL="0" marR="0" lvl="0" indent="0" algn="l" defTabSz="914400" rtl="0" eaLnBrk="0" fontAlgn="base" latinLnBrk="0" hangingPunct="0">
               <a:lnSpc>
                 <a:spcPct val="100000"/>
@@ -26805,7 +26928,7 @@
                 </a:solidFill>
                 <a:effectLst/>
                 <a:latin typeface="ui-monospace"/>
-                <a:hlinkClick r:id="rId3"/>
+                <a:hlinkClick r:id="rId4"/>
               </a:rPr>
               <a:t>https://statsapi.web.nhl.com/api/v1/</a:t>
             </a:r>
@@ -26818,7 +26941,7 @@
                   <a:srgbClr val="1F2328"/>
                 </a:solidFill>
                 <a:effectLst/>
-                <a:hlinkClick r:id="rId3"/>
+                <a:hlinkClick r:id="rId4"/>
               </a:rPr>
               <a:t>teams</a:t>
             </a:r>
@@ -26851,7 +26974,7 @@
                 </a:solidFill>
                 <a:effectLst/>
                 <a:latin typeface="ui-monospace"/>
-                <a:hlinkClick r:id="rId4"/>
+                <a:hlinkClick r:id="rId5"/>
               </a:rPr>
               <a:t>https://statsapi.web.nhl.com/api/v1/team/&lt;ID&gt;?expand=team.roster&amp;season=&lt;seasom</a:t>
             </a:r>
@@ -26901,7 +27024,7 @@
                 <a:latin typeface="ui-monospace"/>
                 <a:ea typeface="+mn-ea"/>
                 <a:cs typeface="+mn-cs"/>
-                <a:hlinkClick r:id="rId5"/>
+                <a:hlinkClick r:id="rId6"/>
               </a:rPr>
               <a:t>https://statsapi.web.nhl.com/api/v1/people/&lt;ID</a:t>
             </a:r>
@@ -27942,21 +28065,21 @@
 </file>
 
 <file path=customXml/item1.xml><?xml version="1.0" encoding="utf-8"?>
+<?mso-contentType ?>
+<FormTemplates xmlns="http://schemas.microsoft.com/sharepoint/v3/contenttype/forms">
+  <Display>DocumentLibraryForm</Display>
+  <Edit>DocumentLibraryForm</Edit>
+  <New>DocumentLibraryForm</New>
+</FormTemplates>
+</file>
+
+<file path=customXml/item2.xml><?xml version="1.0" encoding="utf-8"?>
 <p:properties xmlns:p="http://schemas.microsoft.com/office/2006/metadata/properties" xmlns:xsi="http://www.w3.org/2001/XMLSchema-instance" xmlns:pc="http://schemas.microsoft.com/office/infopath/2007/PartnerControls">
   <documentManagement>
     <Status xmlns="71af3243-3dd4-4a8d-8c0d-dd76da1f02a5">Not started</Status>
     <MediaServiceKeyPoints xmlns="71af3243-3dd4-4a8d-8c0d-dd76da1f02a5" xsi:nil="true"/>
   </documentManagement>
 </p:properties>
-</file>
-
-<file path=customXml/item2.xml><?xml version="1.0" encoding="utf-8"?>
-<?mso-contentType ?>
-<FormTemplates xmlns="http://schemas.microsoft.com/sharepoint/v3/contenttype/forms">
-  <Display>DocumentLibraryForm</Display>
-  <Edit>DocumentLibraryForm</Edit>
-  <New>DocumentLibraryForm</New>
-</FormTemplates>
 </file>
 
 <file path=customXml/item3.xml><?xml version="1.0" encoding="utf-8"?>
@@ -28181,19 +28304,19 @@
 </file>
 
 <file path=customXml/itemProps1.xml><?xml version="1.0" encoding="utf-8"?>
+<ds:datastoreItem xmlns:ds="http://schemas.openxmlformats.org/officeDocument/2006/customXml" ds:itemID="{3C8E00D1-8EA3-4E42-801D-0253E1EAFC21}">
+  <ds:schemaRefs>
+    <ds:schemaRef ds:uri="http://schemas.microsoft.com/sharepoint/v3/contenttype/forms"/>
+  </ds:schemaRefs>
+</ds:datastoreItem>
+</file>
+
+<file path=customXml/itemProps2.xml><?xml version="1.0" encoding="utf-8"?>
 <ds:datastoreItem xmlns:ds="http://schemas.openxmlformats.org/officeDocument/2006/customXml" ds:itemID="{99919F73-B6C2-4A43-95E2-833EC48925FE}">
   <ds:schemaRefs>
     <ds:schemaRef ds:uri="http://schemas.microsoft.com/office/2006/metadata/properties"/>
     <ds:schemaRef ds:uri="http://schemas.microsoft.com/office/infopath/2007/PartnerControls"/>
     <ds:schemaRef ds:uri="71af3243-3dd4-4a8d-8c0d-dd76da1f02a5"/>
-  </ds:schemaRefs>
-</ds:datastoreItem>
-</file>
-
-<file path=customXml/itemProps2.xml><?xml version="1.0" encoding="utf-8"?>
-<ds:datastoreItem xmlns:ds="http://schemas.openxmlformats.org/officeDocument/2006/customXml" ds:itemID="{3C8E00D1-8EA3-4E42-801D-0253E1EAFC21}">
-  <ds:schemaRefs>
-    <ds:schemaRef ds:uri="http://schemas.microsoft.com/sharepoint/v3/contenttype/forms"/>
   </ds:schemaRefs>
 </ds:datastoreItem>
 </file>

--- a/project-1-nhl.pptx
+++ b/project-1-nhl.pptx
@@ -2041,7 +2041,25 @@
                 <a:schemeClr val="bg1"/>
               </a:solidFill>
             </a:rPr>
-            <a:t>Title</a:t>
+            <a:t>Data Analyst</a:t>
+          </a:r>
+        </a:p>
+        <a:p>
+          <a:pPr algn="ctr">
+            <a:lnSpc>
+              <a:spcPct val="100000"/>
+            </a:lnSpc>
+            <a:defRPr b="1" spc="20">
+              <a:latin typeface="+mj-lt"/>
+            </a:defRPr>
+          </a:pPr>
+          <a:r>
+            <a:rPr lang="en-US" dirty="0">
+              <a:solidFill>
+                <a:schemeClr val="bg1"/>
+              </a:solidFill>
+            </a:rPr>
+            <a:t>Project Manager</a:t>
           </a:r>
         </a:p>
       </dgm:t>
@@ -2104,7 +2122,7 @@
                 <a:schemeClr val="bg1"/>
               </a:solidFill>
             </a:rPr>
-            <a:t>Title</a:t>
+            <a:t>Data Analyst</a:t>
           </a:r>
         </a:p>
       </dgm:t>
@@ -2167,7 +2185,7 @@
                 <a:schemeClr val="bg1"/>
               </a:solidFill>
             </a:rPr>
-            <a:t>Future Data Analyst</a:t>
+            <a:t>Data Analyst</a:t>
           </a:r>
         </a:p>
       </dgm:t>
@@ -2905,7 +2923,32 @@
                 <a:schemeClr val="bg1"/>
               </a:solidFill>
             </a:rPr>
-            <a:t>Title</a:t>
+            <a:t>Data Analyst</a:t>
+          </a:r>
+        </a:p>
+        <a:p>
+          <a:pPr marL="0" lvl="0" indent="0" algn="ctr" defTabSz="622300">
+            <a:lnSpc>
+              <a:spcPct val="100000"/>
+            </a:lnSpc>
+            <a:spcBef>
+              <a:spcPct val="0"/>
+            </a:spcBef>
+            <a:spcAft>
+              <a:spcPct val="35000"/>
+            </a:spcAft>
+            <a:buNone/>
+            <a:defRPr b="1" spc="20">
+              <a:latin typeface="+mj-lt"/>
+            </a:defRPr>
+          </a:pPr>
+          <a:r>
+            <a:rPr lang="en-US" sz="1400" kern="1200" dirty="0">
+              <a:solidFill>
+                <a:schemeClr val="bg1"/>
+              </a:solidFill>
+            </a:rPr>
+            <a:t>Project Manager</a:t>
           </a:r>
         </a:p>
       </dsp:txBody>
@@ -3067,7 +3110,7 @@
                 <a:schemeClr val="bg1"/>
               </a:solidFill>
             </a:rPr>
-            <a:t>Title</a:t>
+            <a:t>Data Analyst</a:t>
           </a:r>
         </a:p>
       </dsp:txBody>
@@ -3224,7 +3267,7 @@
                 <a:schemeClr val="bg1"/>
               </a:solidFill>
             </a:rPr>
-            <a:t>Future Data Analyst</a:t>
+            <a:t>Data Analyst</a:t>
           </a:r>
         </a:p>
       </dsp:txBody>
@@ -22418,7 +22461,7 @@
             <p:ph idx="1"/>
             <p:extLst>
               <p:ext uri="{D42A27DB-BD31-4B8C-83A1-F6EECF244321}">
-                <p14:modId xmlns:p14="http://schemas.microsoft.com/office/powerpoint/2010/main" val="1865628387"/>
+                <p14:modId xmlns:p14="http://schemas.microsoft.com/office/powerpoint/2010/main" val="1239603352"/>
               </p:ext>
             </p:extLst>
           </p:nvPr>
@@ -28065,21 +28108,21 @@
 </file>
 
 <file path=customXml/item1.xml><?xml version="1.0" encoding="utf-8"?>
+<p:properties xmlns:p="http://schemas.microsoft.com/office/2006/metadata/properties" xmlns:xsi="http://www.w3.org/2001/XMLSchema-instance" xmlns:pc="http://schemas.microsoft.com/office/infopath/2007/PartnerControls">
+  <documentManagement>
+    <Status xmlns="71af3243-3dd4-4a8d-8c0d-dd76da1f02a5">Not started</Status>
+    <MediaServiceKeyPoints xmlns="71af3243-3dd4-4a8d-8c0d-dd76da1f02a5" xsi:nil="true"/>
+  </documentManagement>
+</p:properties>
+</file>
+
+<file path=customXml/item2.xml><?xml version="1.0" encoding="utf-8"?>
 <?mso-contentType ?>
 <FormTemplates xmlns="http://schemas.microsoft.com/sharepoint/v3/contenttype/forms">
   <Display>DocumentLibraryForm</Display>
   <Edit>DocumentLibraryForm</Edit>
   <New>DocumentLibraryForm</New>
 </FormTemplates>
-</file>
-
-<file path=customXml/item2.xml><?xml version="1.0" encoding="utf-8"?>
-<p:properties xmlns:p="http://schemas.microsoft.com/office/2006/metadata/properties" xmlns:xsi="http://www.w3.org/2001/XMLSchema-instance" xmlns:pc="http://schemas.microsoft.com/office/infopath/2007/PartnerControls">
-  <documentManagement>
-    <Status xmlns="71af3243-3dd4-4a8d-8c0d-dd76da1f02a5">Not started</Status>
-    <MediaServiceKeyPoints xmlns="71af3243-3dd4-4a8d-8c0d-dd76da1f02a5" xsi:nil="true"/>
-  </documentManagement>
-</p:properties>
 </file>
 
 <file path=customXml/item3.xml><?xml version="1.0" encoding="utf-8"?>
@@ -28304,19 +28347,19 @@
 </file>
 
 <file path=customXml/itemProps1.xml><?xml version="1.0" encoding="utf-8"?>
-<ds:datastoreItem xmlns:ds="http://schemas.openxmlformats.org/officeDocument/2006/customXml" ds:itemID="{3C8E00D1-8EA3-4E42-801D-0253E1EAFC21}">
+<ds:datastoreItem xmlns:ds="http://schemas.openxmlformats.org/officeDocument/2006/customXml" ds:itemID="{99919F73-B6C2-4A43-95E2-833EC48925FE}">
   <ds:schemaRefs>
-    <ds:schemaRef ds:uri="http://schemas.microsoft.com/sharepoint/v3/contenttype/forms"/>
+    <ds:schemaRef ds:uri="http://schemas.microsoft.com/office/2006/metadata/properties"/>
+    <ds:schemaRef ds:uri="http://schemas.microsoft.com/office/infopath/2007/PartnerControls"/>
+    <ds:schemaRef ds:uri="71af3243-3dd4-4a8d-8c0d-dd76da1f02a5"/>
   </ds:schemaRefs>
 </ds:datastoreItem>
 </file>
 
 <file path=customXml/itemProps2.xml><?xml version="1.0" encoding="utf-8"?>
-<ds:datastoreItem xmlns:ds="http://schemas.openxmlformats.org/officeDocument/2006/customXml" ds:itemID="{99919F73-B6C2-4A43-95E2-833EC48925FE}">
+<ds:datastoreItem xmlns:ds="http://schemas.openxmlformats.org/officeDocument/2006/customXml" ds:itemID="{3C8E00D1-8EA3-4E42-801D-0253E1EAFC21}">
   <ds:schemaRefs>
-    <ds:schemaRef ds:uri="http://schemas.microsoft.com/office/2006/metadata/properties"/>
-    <ds:schemaRef ds:uri="http://schemas.microsoft.com/office/infopath/2007/PartnerControls"/>
-    <ds:schemaRef ds:uri="71af3243-3dd4-4a8d-8c0d-dd76da1f02a5"/>
+    <ds:schemaRef ds:uri="http://schemas.microsoft.com/sharepoint/v3/contenttype/forms"/>
   </ds:schemaRefs>
 </ds:datastoreItem>
 </file>

--- a/project-1-nhl.pptx
+++ b/project-1-nhl.pptx
@@ -17914,11 +17914,7 @@
             <a:pPr lvl="0"/>
             <a:r>
               <a:rPr lang="en-US" sz="1800" dirty="0"/>
-              <a:t>What statistics have a material difference for the Stanley Cup winning team</a:t>
-            </a:r>
-            <a:r>
-              <a:rPr lang="en-US" sz="800" dirty="0"/>
-              <a:t>?</a:t>
+              <a:t>What statistics have a material difference for the Stanley Cup winning team?</a:t>
             </a:r>
           </a:p>
         </p:txBody>

--- a/project-1-nhl.pptx
+++ b/project-1-nhl.pptx
@@ -2454,8 +2454,8 @@
       </dsp:nvSpPr>
       <dsp:spPr>
         <a:xfrm>
-          <a:off x="0" y="2791558"/>
-          <a:ext cx="6245265" cy="1295043"/>
+          <a:off x="0" y="2792282"/>
+          <a:ext cx="6245265" cy="1320637"/>
         </a:xfrm>
         <a:prstGeom prst="roundRect">
           <a:avLst/>
@@ -2497,12 +2497,12 @@
         </a:fontRef>
       </dsp:style>
       <dsp:txBody>
-        <a:bodyPr spcFirstLastPara="0" vert="horz" wrap="square" lIns="87630" tIns="87630" rIns="87630" bIns="87630" numCol="1" spcCol="1270" anchor="ctr" anchorCtr="0">
+        <a:bodyPr spcFirstLastPara="0" vert="horz" wrap="square" lIns="91440" tIns="91440" rIns="91440" bIns="91440" numCol="1" spcCol="1270" anchor="ctr" anchorCtr="0">
           <a:noAutofit/>
         </a:bodyPr>
         <a:lstStyle/>
         <a:p>
-          <a:pPr marL="0" lvl="0" indent="0" algn="l" defTabSz="1022350">
+          <a:pPr marL="0" lvl="0" indent="0" algn="l" defTabSz="1066800">
             <a:lnSpc>
               <a:spcPct val="90000"/>
             </a:lnSpc>
@@ -2515,14 +2515,14 @@
             <a:buNone/>
           </a:pPr>
           <a:r>
-            <a:rPr lang="en-US" sz="2300" kern="1200" dirty="0"/>
+            <a:rPr lang="en-US" sz="2400" kern="1200" dirty="0"/>
             <a:t>Does the team with the best plus/minus equate to a Stanley Cup winner?</a:t>
           </a:r>
         </a:p>
       </dsp:txBody>
       <dsp:txXfrm>
-        <a:off x="63219" y="2854777"/>
-        <a:ext cx="6118827" cy="1168605"/>
+        <a:off x="64468" y="2856750"/>
+        <a:ext cx="6116329" cy="1191701"/>
       </dsp:txXfrm>
     </dsp:sp>
     <dsp:sp modelId="{2314B425-D59F-44F7-BD49-FDBFA4C40818}">
@@ -2532,8 +2532,8 @@
       </dsp:nvSpPr>
       <dsp:spPr>
         <a:xfrm>
-          <a:off x="0" y="69008"/>
-          <a:ext cx="6245265" cy="1295043"/>
+          <a:off x="0" y="11926"/>
+          <a:ext cx="6245265" cy="1320637"/>
         </a:xfrm>
         <a:prstGeom prst="roundRect">
           <a:avLst/>
@@ -2575,12 +2575,12 @@
         </a:fontRef>
       </dsp:style>
       <dsp:txBody>
-        <a:bodyPr spcFirstLastPara="0" vert="horz" wrap="square" lIns="87630" tIns="87630" rIns="87630" bIns="87630" numCol="1" spcCol="1270" anchor="ctr" anchorCtr="0">
+        <a:bodyPr spcFirstLastPara="0" vert="horz" wrap="square" lIns="91440" tIns="91440" rIns="91440" bIns="91440" numCol="1" spcCol="1270" anchor="ctr" anchorCtr="0">
           <a:noAutofit/>
         </a:bodyPr>
         <a:lstStyle/>
         <a:p>
-          <a:pPr marL="0" lvl="0" indent="0" algn="l" defTabSz="1022350">
+          <a:pPr marL="0" lvl="0" indent="0" algn="l" defTabSz="1066800">
             <a:lnSpc>
               <a:spcPct val="90000"/>
             </a:lnSpc>
@@ -2593,14 +2593,14 @@
             <a:buNone/>
           </a:pPr>
           <a:r>
-            <a:rPr lang="en-US" sz="2300" kern="1200" dirty="0"/>
+            <a:rPr lang="en-US" sz="2400" kern="1200" dirty="0"/>
             <a:t>Over the last 3 decades, is there a trend related to geographic locations/hockey programs?</a:t>
           </a:r>
         </a:p>
       </dsp:txBody>
       <dsp:txXfrm>
-        <a:off x="63219" y="132227"/>
-        <a:ext cx="6118827" cy="1168605"/>
+        <a:off x="64468" y="76394"/>
+        <a:ext cx="6116329" cy="1191701"/>
       </dsp:txXfrm>
     </dsp:sp>
     <dsp:sp modelId="{128111EA-389C-49A2-B6CC-56FF56F54E11}">
@@ -2610,8 +2610,8 @@
       </dsp:nvSpPr>
       <dsp:spPr>
         <a:xfrm>
-          <a:off x="0" y="1409671"/>
-          <a:ext cx="6245265" cy="1295043"/>
+          <a:off x="0" y="1380166"/>
+          <a:ext cx="6245265" cy="1320637"/>
         </a:xfrm>
         <a:prstGeom prst="roundRect">
           <a:avLst/>
@@ -2653,12 +2653,12 @@
         </a:fontRef>
       </dsp:style>
       <dsp:txBody>
-        <a:bodyPr spcFirstLastPara="0" vert="horz" wrap="square" lIns="87630" tIns="87630" rIns="87630" bIns="87630" numCol="1" spcCol="1270" anchor="ctr" anchorCtr="0">
+        <a:bodyPr spcFirstLastPara="0" vert="horz" wrap="square" lIns="91440" tIns="91440" rIns="91440" bIns="91440" numCol="1" spcCol="1270" anchor="ctr" anchorCtr="0">
           <a:noAutofit/>
         </a:bodyPr>
         <a:lstStyle/>
         <a:p>
-          <a:pPr marL="0" lvl="0" indent="0" algn="l" defTabSz="1022350">
+          <a:pPr marL="0" lvl="0" indent="0" algn="l" defTabSz="1066800">
             <a:lnSpc>
               <a:spcPct val="90000"/>
             </a:lnSpc>
@@ -2671,14 +2671,14 @@
             <a:buNone/>
           </a:pPr>
           <a:r>
-            <a:rPr lang="en-US" sz="2300" kern="1200" dirty="0"/>
+            <a:rPr lang="en-US" sz="2400" kern="1200" dirty="0"/>
             <a:t>What statistics have a material difference for the Stanley Cup winning team?</a:t>
           </a:r>
         </a:p>
       </dsp:txBody>
       <dsp:txXfrm>
-        <a:off x="63219" y="1472890"/>
-        <a:ext cx="6118827" cy="1168605"/>
+        <a:off x="64468" y="1444634"/>
+        <a:ext cx="6116329" cy="1191701"/>
       </dsp:txXfrm>
     </dsp:sp>
     <dsp:sp modelId="{79E292A9-84D8-4FC5-9382-5486B418C887}">
@@ -2688,8 +2688,8 @@
       </dsp:nvSpPr>
       <dsp:spPr>
         <a:xfrm>
-          <a:off x="0" y="4189077"/>
-          <a:ext cx="6245265" cy="1295043"/>
+          <a:off x="0" y="4218991"/>
+          <a:ext cx="6245265" cy="1320637"/>
         </a:xfrm>
         <a:prstGeom prst="roundRect">
           <a:avLst/>
@@ -2731,12 +2731,12 @@
         </a:fontRef>
       </dsp:style>
       <dsp:txBody>
-        <a:bodyPr spcFirstLastPara="0" vert="horz" wrap="square" lIns="87630" tIns="87630" rIns="87630" bIns="87630" numCol="1" spcCol="1270" anchor="ctr" anchorCtr="0">
+        <a:bodyPr spcFirstLastPara="0" vert="horz" wrap="square" lIns="91440" tIns="91440" rIns="91440" bIns="91440" numCol="1" spcCol="1270" anchor="ctr" anchorCtr="0">
           <a:noAutofit/>
         </a:bodyPr>
         <a:lstStyle/>
         <a:p>
-          <a:pPr marL="0" lvl="0" indent="0" algn="l" defTabSz="1022350">
+          <a:pPr marL="0" lvl="0" indent="0" algn="l" defTabSz="1066800">
             <a:lnSpc>
               <a:spcPct val="90000"/>
             </a:lnSpc>
@@ -2749,14 +2749,14 @@
             <a:buNone/>
           </a:pPr>
           <a:r>
-            <a:rPr lang="en-US" sz="2300" kern="1200" dirty="0"/>
+            <a:rPr lang="en-US" sz="2400" kern="1200" dirty="0"/>
             <a:t>What is the ideal team makeup to create a Stanley Cup winning team?</a:t>
           </a:r>
         </a:p>
       </dsp:txBody>
       <dsp:txXfrm>
-        <a:off x="63219" y="4252296"/>
-        <a:ext cx="6118827" cy="1168605"/>
+        <a:off x="64468" y="4283459"/>
+        <a:ext cx="6116329" cy="1191701"/>
       </dsp:txXfrm>
     </dsp:sp>
   </dsp:spTree>
@@ -19530,7 +19530,15 @@
             </a:r>
             <a:r>
               <a:rPr lang="en-US" sz="1600" kern="1200" dirty="0"/>
-              <a:t> superstars on the team.  The box plot comparing the +/- supports this theory as the winning team has less outliers and more consistency when compared to the losing team.  The +/- statistic is also the only key statistic analyzed that has a material difference (50% avg) in results when comparing the winning and losing team.</a:t>
+              <a:t> superstars on the team.  The box plot comparing the +/- supports this theory as the winning team has less outliers and more consistency when compared to the losing team.  The +/- statistic is also the only key statistic analyzed that has a material difference (</a:t>
+            </a:r>
+            <a:r>
+              <a:rPr lang="en-US" sz="1600" dirty="0"/>
+              <a:t>100</a:t>
+            </a:r>
+            <a:r>
+              <a:rPr lang="en-US" sz="1600" kern="1200" dirty="0"/>
+              <a:t>% increase) in results when comparing the winning and losing team.</a:t>
             </a:r>
           </a:p>
         </p:txBody>
@@ -19843,7 +19851,7 @@
               </a:pPr>
               <a:t>19</a:t>
             </a:fld>
-            <a:endParaRPr lang="en-US">
+            <a:endParaRPr lang="en-US" dirty="0">
               <a:solidFill>
                 <a:schemeClr val="accent2"/>
               </a:solidFill>
@@ -28104,21 +28112,21 @@
 </file>
 
 <file path=customXml/item1.xml><?xml version="1.0" encoding="utf-8"?>
+<?mso-contentType ?>
+<FormTemplates xmlns="http://schemas.microsoft.com/sharepoint/v3/contenttype/forms">
+  <Display>DocumentLibraryForm</Display>
+  <Edit>DocumentLibraryForm</Edit>
+  <New>DocumentLibraryForm</New>
+</FormTemplates>
+</file>
+
+<file path=customXml/item2.xml><?xml version="1.0" encoding="utf-8"?>
 <p:properties xmlns:p="http://schemas.microsoft.com/office/2006/metadata/properties" xmlns:xsi="http://www.w3.org/2001/XMLSchema-instance" xmlns:pc="http://schemas.microsoft.com/office/infopath/2007/PartnerControls">
   <documentManagement>
     <Status xmlns="71af3243-3dd4-4a8d-8c0d-dd76da1f02a5">Not started</Status>
     <MediaServiceKeyPoints xmlns="71af3243-3dd4-4a8d-8c0d-dd76da1f02a5" xsi:nil="true"/>
   </documentManagement>
 </p:properties>
-</file>
-
-<file path=customXml/item2.xml><?xml version="1.0" encoding="utf-8"?>
-<?mso-contentType ?>
-<FormTemplates xmlns="http://schemas.microsoft.com/sharepoint/v3/contenttype/forms">
-  <Display>DocumentLibraryForm</Display>
-  <Edit>DocumentLibraryForm</Edit>
-  <New>DocumentLibraryForm</New>
-</FormTemplates>
 </file>
 
 <file path=customXml/item3.xml><?xml version="1.0" encoding="utf-8"?>
@@ -28343,19 +28351,19 @@
 </file>
 
 <file path=customXml/itemProps1.xml><?xml version="1.0" encoding="utf-8"?>
+<ds:datastoreItem xmlns:ds="http://schemas.openxmlformats.org/officeDocument/2006/customXml" ds:itemID="{3C8E00D1-8EA3-4E42-801D-0253E1EAFC21}">
+  <ds:schemaRefs>
+    <ds:schemaRef ds:uri="http://schemas.microsoft.com/sharepoint/v3/contenttype/forms"/>
+  </ds:schemaRefs>
+</ds:datastoreItem>
+</file>
+
+<file path=customXml/itemProps2.xml><?xml version="1.0" encoding="utf-8"?>
 <ds:datastoreItem xmlns:ds="http://schemas.openxmlformats.org/officeDocument/2006/customXml" ds:itemID="{99919F73-B6C2-4A43-95E2-833EC48925FE}">
   <ds:schemaRefs>
     <ds:schemaRef ds:uri="http://schemas.microsoft.com/office/2006/metadata/properties"/>
     <ds:schemaRef ds:uri="http://schemas.microsoft.com/office/infopath/2007/PartnerControls"/>
     <ds:schemaRef ds:uri="71af3243-3dd4-4a8d-8c0d-dd76da1f02a5"/>
-  </ds:schemaRefs>
-</ds:datastoreItem>
-</file>
-
-<file path=customXml/itemProps2.xml><?xml version="1.0" encoding="utf-8"?>
-<ds:datastoreItem xmlns:ds="http://schemas.openxmlformats.org/officeDocument/2006/customXml" ds:itemID="{3C8E00D1-8EA3-4E42-801D-0253E1EAFC21}">
-  <ds:schemaRefs>
-    <ds:schemaRef ds:uri="http://schemas.microsoft.com/sharepoint/v3/contenttype/forms"/>
   </ds:schemaRefs>
 </ds:datastoreItem>
 </file>

--- a/project-1-nhl.pptx
+++ b/project-1-nhl.pptx
@@ -2041,25 +2041,7 @@
                 <a:schemeClr val="bg1"/>
               </a:solidFill>
             </a:rPr>
-            <a:t>Data Analyst</a:t>
-          </a:r>
-        </a:p>
-        <a:p>
-          <a:pPr algn="ctr">
-            <a:lnSpc>
-              <a:spcPct val="100000"/>
-            </a:lnSpc>
-            <a:defRPr b="1" spc="20">
-              <a:latin typeface="+mj-lt"/>
-            </a:defRPr>
-          </a:pPr>
-          <a:r>
-            <a:rPr lang="en-US" dirty="0">
-              <a:solidFill>
-                <a:schemeClr val="bg1"/>
-              </a:solidFill>
-            </a:rPr>
-            <a:t>Project Manager</a:t>
+            <a:t>Data Analyst Student</a:t>
           </a:r>
         </a:p>
       </dgm:t>
@@ -2122,7 +2104,7 @@
                 <a:schemeClr val="bg1"/>
               </a:solidFill>
             </a:rPr>
-            <a:t>Data Analyst</a:t>
+            <a:t>Data Analyst Student</a:t>
           </a:r>
         </a:p>
       </dgm:t>
@@ -2185,7 +2167,7 @@
                 <a:schemeClr val="bg1"/>
               </a:solidFill>
             </a:rPr>
-            <a:t>Data Analyst</a:t>
+            <a:t>Data Analyst Student</a:t>
           </a:r>
         </a:p>
       </dgm:t>
@@ -2298,14 +2280,8 @@
         <a:prstGeom prst="rect">
           <a:avLst/>
         </a:prstGeom>
-        <a:blipFill>
-          <a:blip xmlns:r="http://schemas.openxmlformats.org/officeDocument/2006/relationships" r:embed="rId2">
-            <a:extLst>
-              <a:ext uri="{28A0092B-C50C-407E-A947-70E740481C1C}">
-                <a14:useLocalDpi xmlns:a14="http://schemas.microsoft.com/office/drawing/2010/main" val="0"/>
-              </a:ext>
-            </a:extLst>
-          </a:blip>
+        <a:blipFill rotWithShape="1">
+          <a:blip xmlns:r="http://schemas.openxmlformats.org/officeDocument/2006/relationships" r:embed="rId2"/>
           <a:srcRect/>
           <a:stretch>
             <a:fillRect l="-6000" r="-6000"/>
@@ -2923,32 +2899,7 @@
                 <a:schemeClr val="bg1"/>
               </a:solidFill>
             </a:rPr>
-            <a:t>Data Analyst</a:t>
-          </a:r>
-        </a:p>
-        <a:p>
-          <a:pPr marL="0" lvl="0" indent="0" algn="ctr" defTabSz="622300">
-            <a:lnSpc>
-              <a:spcPct val="100000"/>
-            </a:lnSpc>
-            <a:spcBef>
-              <a:spcPct val="0"/>
-            </a:spcBef>
-            <a:spcAft>
-              <a:spcPct val="35000"/>
-            </a:spcAft>
-            <a:buNone/>
-            <a:defRPr b="1" spc="20">
-              <a:latin typeface="+mj-lt"/>
-            </a:defRPr>
-          </a:pPr>
-          <a:r>
-            <a:rPr lang="en-US" sz="1400" kern="1200" dirty="0">
-              <a:solidFill>
-                <a:schemeClr val="bg1"/>
-              </a:solidFill>
-            </a:rPr>
-            <a:t>Project Manager</a:t>
+            <a:t>Data Analyst Student</a:t>
           </a:r>
         </a:p>
       </dsp:txBody>
@@ -3002,14 +2953,8 @@
         <a:prstGeom prst="rect">
           <a:avLst/>
         </a:prstGeom>
-        <a:blipFill>
-          <a:blip xmlns:r="http://schemas.openxmlformats.org/officeDocument/2006/relationships" r:embed="rId2">
-            <a:extLst>
-              <a:ext uri="{28A0092B-C50C-407E-A947-70E740481C1C}">
-                <a14:useLocalDpi xmlns:a14="http://schemas.microsoft.com/office/drawing/2010/main" val="0"/>
-              </a:ext>
-            </a:extLst>
-          </a:blip>
+        <a:blipFill rotWithShape="1">
+          <a:blip xmlns:r="http://schemas.openxmlformats.org/officeDocument/2006/relationships" r:embed="rId2"/>
           <a:srcRect/>
           <a:stretch>
             <a:fillRect l="-6000" r="-6000"/>
@@ -3110,7 +3055,7 @@
                 <a:schemeClr val="bg1"/>
               </a:solidFill>
             </a:rPr>
-            <a:t>Data Analyst</a:t>
+            <a:t>Data Analyst Student</a:t>
           </a:r>
         </a:p>
       </dsp:txBody>
@@ -3267,7 +3212,7 @@
                 <a:schemeClr val="bg1"/>
               </a:solidFill>
             </a:rPr>
-            <a:t>Data Analyst</a:t>
+            <a:t>Data Analyst Student</a:t>
           </a:r>
         </a:p>
       </dsp:txBody>
@@ -22465,7 +22410,7 @@
             <p:ph idx="1"/>
             <p:extLst>
               <p:ext uri="{D42A27DB-BD31-4B8C-83A1-F6EECF244321}">
-                <p14:modId xmlns:p14="http://schemas.microsoft.com/office/powerpoint/2010/main" val="1239603352"/>
+                <p14:modId xmlns:p14="http://schemas.microsoft.com/office/powerpoint/2010/main" val="440528916"/>
               </p:ext>
             </p:extLst>
           </p:nvPr>

--- a/project-1-nhl.pptx
+++ b/project-1-nhl.pptx
@@ -2430,8 +2430,8 @@
       </dsp:nvSpPr>
       <dsp:spPr>
         <a:xfrm>
-          <a:off x="0" y="2792282"/>
-          <a:ext cx="6245265" cy="1320637"/>
+          <a:off x="0" y="2791558"/>
+          <a:ext cx="6245265" cy="1295043"/>
         </a:xfrm>
         <a:prstGeom prst="roundRect">
           <a:avLst/>
@@ -2473,12 +2473,12 @@
         </a:fontRef>
       </dsp:style>
       <dsp:txBody>
-        <a:bodyPr spcFirstLastPara="0" vert="horz" wrap="square" lIns="91440" tIns="91440" rIns="91440" bIns="91440" numCol="1" spcCol="1270" anchor="ctr" anchorCtr="0">
+        <a:bodyPr spcFirstLastPara="0" vert="horz" wrap="square" lIns="87630" tIns="87630" rIns="87630" bIns="87630" numCol="1" spcCol="1270" anchor="ctr" anchorCtr="0">
           <a:noAutofit/>
         </a:bodyPr>
         <a:lstStyle/>
         <a:p>
-          <a:pPr marL="0" lvl="0" indent="0" algn="l" defTabSz="1066800">
+          <a:pPr marL="0" lvl="0" indent="0" algn="l" defTabSz="1022350">
             <a:lnSpc>
               <a:spcPct val="90000"/>
             </a:lnSpc>
@@ -2491,14 +2491,14 @@
             <a:buNone/>
           </a:pPr>
           <a:r>
-            <a:rPr lang="en-US" sz="2400" kern="1200" dirty="0"/>
+            <a:rPr lang="en-US" sz="2300" kern="1200" dirty="0"/>
             <a:t>Does the team with the best plus/minus equate to a Stanley Cup winner?</a:t>
           </a:r>
         </a:p>
       </dsp:txBody>
       <dsp:txXfrm>
-        <a:off x="64468" y="2856750"/>
-        <a:ext cx="6116329" cy="1191701"/>
+        <a:off x="63219" y="2854777"/>
+        <a:ext cx="6118827" cy="1168605"/>
       </dsp:txXfrm>
     </dsp:sp>
     <dsp:sp modelId="{2314B425-D59F-44F7-BD49-FDBFA4C40818}">
@@ -2508,8 +2508,8 @@
       </dsp:nvSpPr>
       <dsp:spPr>
         <a:xfrm>
-          <a:off x="0" y="11926"/>
-          <a:ext cx="6245265" cy="1320637"/>
+          <a:off x="0" y="69008"/>
+          <a:ext cx="6245265" cy="1295043"/>
         </a:xfrm>
         <a:prstGeom prst="roundRect">
           <a:avLst/>
@@ -2551,12 +2551,12 @@
         </a:fontRef>
       </dsp:style>
       <dsp:txBody>
-        <a:bodyPr spcFirstLastPara="0" vert="horz" wrap="square" lIns="91440" tIns="91440" rIns="91440" bIns="91440" numCol="1" spcCol="1270" anchor="ctr" anchorCtr="0">
+        <a:bodyPr spcFirstLastPara="0" vert="horz" wrap="square" lIns="87630" tIns="87630" rIns="87630" bIns="87630" numCol="1" spcCol="1270" anchor="ctr" anchorCtr="0">
           <a:noAutofit/>
         </a:bodyPr>
         <a:lstStyle/>
         <a:p>
-          <a:pPr marL="0" lvl="0" indent="0" algn="l" defTabSz="1066800">
+          <a:pPr marL="0" lvl="0" indent="0" algn="l" defTabSz="1022350">
             <a:lnSpc>
               <a:spcPct val="90000"/>
             </a:lnSpc>
@@ -2569,14 +2569,14 @@
             <a:buNone/>
           </a:pPr>
           <a:r>
-            <a:rPr lang="en-US" sz="2400" kern="1200" dirty="0"/>
+            <a:rPr lang="en-US" sz="2300" kern="1200" dirty="0"/>
             <a:t>Over the last 3 decades, is there a trend related to geographic locations/hockey programs?</a:t>
           </a:r>
         </a:p>
       </dsp:txBody>
       <dsp:txXfrm>
-        <a:off x="64468" y="76394"/>
-        <a:ext cx="6116329" cy="1191701"/>
+        <a:off x="63219" y="132227"/>
+        <a:ext cx="6118827" cy="1168605"/>
       </dsp:txXfrm>
     </dsp:sp>
     <dsp:sp modelId="{128111EA-389C-49A2-B6CC-56FF56F54E11}">
@@ -2586,8 +2586,8 @@
       </dsp:nvSpPr>
       <dsp:spPr>
         <a:xfrm>
-          <a:off x="0" y="1380166"/>
-          <a:ext cx="6245265" cy="1320637"/>
+          <a:off x="0" y="1409671"/>
+          <a:ext cx="6245265" cy="1295043"/>
         </a:xfrm>
         <a:prstGeom prst="roundRect">
           <a:avLst/>
@@ -2629,12 +2629,12 @@
         </a:fontRef>
       </dsp:style>
       <dsp:txBody>
-        <a:bodyPr spcFirstLastPara="0" vert="horz" wrap="square" lIns="91440" tIns="91440" rIns="91440" bIns="91440" numCol="1" spcCol="1270" anchor="ctr" anchorCtr="0">
+        <a:bodyPr spcFirstLastPara="0" vert="horz" wrap="square" lIns="87630" tIns="87630" rIns="87630" bIns="87630" numCol="1" spcCol="1270" anchor="ctr" anchorCtr="0">
           <a:noAutofit/>
         </a:bodyPr>
         <a:lstStyle/>
         <a:p>
-          <a:pPr marL="0" lvl="0" indent="0" algn="l" defTabSz="1066800">
+          <a:pPr marL="0" lvl="0" indent="0" algn="l" defTabSz="1022350">
             <a:lnSpc>
               <a:spcPct val="90000"/>
             </a:lnSpc>
@@ -2647,14 +2647,14 @@
             <a:buNone/>
           </a:pPr>
           <a:r>
-            <a:rPr lang="en-US" sz="2400" kern="1200" dirty="0"/>
+            <a:rPr lang="en-US" sz="2300" kern="1200" dirty="0"/>
             <a:t>What statistics have a material difference for the Stanley Cup winning team?</a:t>
           </a:r>
         </a:p>
       </dsp:txBody>
       <dsp:txXfrm>
-        <a:off x="64468" y="1444634"/>
-        <a:ext cx="6116329" cy="1191701"/>
+        <a:off x="63219" y="1472890"/>
+        <a:ext cx="6118827" cy="1168605"/>
       </dsp:txXfrm>
     </dsp:sp>
     <dsp:sp modelId="{79E292A9-84D8-4FC5-9382-5486B418C887}">
@@ -2664,8 +2664,8 @@
       </dsp:nvSpPr>
       <dsp:spPr>
         <a:xfrm>
-          <a:off x="0" y="4218991"/>
-          <a:ext cx="6245265" cy="1320637"/>
+          <a:off x="0" y="4189077"/>
+          <a:ext cx="6245265" cy="1295043"/>
         </a:xfrm>
         <a:prstGeom prst="roundRect">
           <a:avLst/>
@@ -2707,12 +2707,12 @@
         </a:fontRef>
       </dsp:style>
       <dsp:txBody>
-        <a:bodyPr spcFirstLastPara="0" vert="horz" wrap="square" lIns="91440" tIns="91440" rIns="91440" bIns="91440" numCol="1" spcCol="1270" anchor="ctr" anchorCtr="0">
+        <a:bodyPr spcFirstLastPara="0" vert="horz" wrap="square" lIns="87630" tIns="87630" rIns="87630" bIns="87630" numCol="1" spcCol="1270" anchor="ctr" anchorCtr="0">
           <a:noAutofit/>
         </a:bodyPr>
         <a:lstStyle/>
         <a:p>
-          <a:pPr marL="0" lvl="0" indent="0" algn="l" defTabSz="1066800">
+          <a:pPr marL="0" lvl="0" indent="0" algn="l" defTabSz="1022350">
             <a:lnSpc>
               <a:spcPct val="90000"/>
             </a:lnSpc>
@@ -2725,14 +2725,14 @@
             <a:buNone/>
           </a:pPr>
           <a:r>
-            <a:rPr lang="en-US" sz="2400" kern="1200" dirty="0"/>
+            <a:rPr lang="en-US" sz="2300" kern="1200" dirty="0"/>
             <a:t>What is the ideal team makeup to create a Stanley Cup winning team?</a:t>
           </a:r>
         </a:p>
       </dsp:txBody>
       <dsp:txXfrm>
-        <a:off x="64468" y="4283459"/>
-        <a:ext cx="6116329" cy="1191701"/>
+        <a:off x="63219" y="4252296"/>
+        <a:ext cx="6118827" cy="1168605"/>
       </dsp:txXfrm>
     </dsp:sp>
   </dsp:spTree>
@@ -19486,6 +19486,18 @@
               <a:t>% increase) in results when comparing the winning and losing team.</a:t>
             </a:r>
           </a:p>
+          <a:p>
+            <a:pPr lvl="1"/>
+            <a:r>
+              <a:rPr lang="en-US" sz="1600" dirty="0"/>
+              <a:t>Future analysis reviewing Stanley Cup Finals’ data only, can provide greater variability in data points and provide additional trending, influencing </a:t>
+            </a:r>
+            <a:r>
+              <a:rPr lang="en-US" sz="1600"/>
+              <a:t>additional recommendations.</a:t>
+            </a:r>
+            <a:endParaRPr lang="en-US" sz="1600" kern="1200" dirty="0"/>
+          </a:p>
         </p:txBody>
       </p:sp>
       <p:sp>
@@ -20024,6 +20036,52 @@
                               <p:par>
                                 <p:cTn id="17" presetID="10" presetClass="entr" presetSubtype="0" fill="hold" grpId="0" nodeType="withEffect">
                                   <p:stCondLst>
+                                    <p:cond delay="1000"/>
+                                  </p:stCondLst>
+                                  <p:iterate type="wd">
+                                    <p:tmPct val="15000"/>
+                                  </p:iterate>
+                                  <p:childTnLst>
+                                    <p:set>
+                                      <p:cBhvr>
+                                        <p:cTn id="18" dur="1" fill="hold">
+                                          <p:stCondLst>
+                                            <p:cond delay="0"/>
+                                          </p:stCondLst>
+                                        </p:cTn>
+                                        <p:tgtEl>
+                                          <p:spTgt spid="8">
+                                            <p:txEl>
+                                              <p:pRg st="4" end="4"/>
+                                            </p:txEl>
+                                          </p:spTgt>
+                                        </p:tgtEl>
+                                        <p:attrNameLst>
+                                          <p:attrName>style.visibility</p:attrName>
+                                        </p:attrNameLst>
+                                      </p:cBhvr>
+                                      <p:to>
+                                        <p:strVal val="visible"/>
+                                      </p:to>
+                                    </p:set>
+                                    <p:animEffect transition="in" filter="fade">
+                                      <p:cBhvr>
+                                        <p:cTn id="19" dur="1000"/>
+                                        <p:tgtEl>
+                                          <p:spTgt spid="8">
+                                            <p:txEl>
+                                              <p:pRg st="4" end="4"/>
+                                            </p:txEl>
+                                          </p:spTgt>
+                                        </p:tgtEl>
+                                      </p:cBhvr>
+                                    </p:animEffect>
+                                  </p:childTnLst>
+                                </p:cTn>
+                              </p:par>
+                              <p:par>
+                                <p:cTn id="20" presetID="10" presetClass="entr" presetSubtype="0" fill="hold" grpId="0" nodeType="withEffect">
+                                  <p:stCondLst>
                                     <p:cond delay="500"/>
                                   </p:stCondLst>
                                   <p:iterate type="wd">
@@ -20032,7 +20090,7 @@
                                   <p:childTnLst>
                                     <p:set>
                                       <p:cBhvr>
-                                        <p:cTn id="18" dur="1" fill="hold">
+                                        <p:cTn id="21" dur="1" fill="hold">
                                           <p:stCondLst>
                                             <p:cond delay="0"/>
                                           </p:stCondLst>
@@ -20050,7 +20108,7 @@
                                     </p:set>
                                     <p:animEffect transition="in" filter="fade">
                                       <p:cBhvr>
-                                        <p:cTn id="19" dur="1000"/>
+                                        <p:cTn id="22" dur="1000"/>
                                         <p:tgtEl>
                                           <p:spTgt spid="2"/>
                                         </p:tgtEl>
@@ -28057,21 +28115,21 @@
 </file>
 
 <file path=customXml/item1.xml><?xml version="1.0" encoding="utf-8"?>
+<p:properties xmlns:p="http://schemas.microsoft.com/office/2006/metadata/properties" xmlns:xsi="http://www.w3.org/2001/XMLSchema-instance" xmlns:pc="http://schemas.microsoft.com/office/infopath/2007/PartnerControls">
+  <documentManagement>
+    <Status xmlns="71af3243-3dd4-4a8d-8c0d-dd76da1f02a5">Not started</Status>
+    <MediaServiceKeyPoints xmlns="71af3243-3dd4-4a8d-8c0d-dd76da1f02a5" xsi:nil="true"/>
+  </documentManagement>
+</p:properties>
+</file>
+
+<file path=customXml/item2.xml><?xml version="1.0" encoding="utf-8"?>
 <?mso-contentType ?>
 <FormTemplates xmlns="http://schemas.microsoft.com/sharepoint/v3/contenttype/forms">
   <Display>DocumentLibraryForm</Display>
   <Edit>DocumentLibraryForm</Edit>
   <New>DocumentLibraryForm</New>
 </FormTemplates>
-</file>
-
-<file path=customXml/item2.xml><?xml version="1.0" encoding="utf-8"?>
-<p:properties xmlns:p="http://schemas.microsoft.com/office/2006/metadata/properties" xmlns:xsi="http://www.w3.org/2001/XMLSchema-instance" xmlns:pc="http://schemas.microsoft.com/office/infopath/2007/PartnerControls">
-  <documentManagement>
-    <Status xmlns="71af3243-3dd4-4a8d-8c0d-dd76da1f02a5">Not started</Status>
-    <MediaServiceKeyPoints xmlns="71af3243-3dd4-4a8d-8c0d-dd76da1f02a5" xsi:nil="true"/>
-  </documentManagement>
-</p:properties>
 </file>
 
 <file path=customXml/item3.xml><?xml version="1.0" encoding="utf-8"?>
@@ -28296,19 +28354,19 @@
 </file>
 
 <file path=customXml/itemProps1.xml><?xml version="1.0" encoding="utf-8"?>
-<ds:datastoreItem xmlns:ds="http://schemas.openxmlformats.org/officeDocument/2006/customXml" ds:itemID="{3C8E00D1-8EA3-4E42-801D-0253E1EAFC21}">
+<ds:datastoreItem xmlns:ds="http://schemas.openxmlformats.org/officeDocument/2006/customXml" ds:itemID="{99919F73-B6C2-4A43-95E2-833EC48925FE}">
   <ds:schemaRefs>
-    <ds:schemaRef ds:uri="http://schemas.microsoft.com/sharepoint/v3/contenttype/forms"/>
+    <ds:schemaRef ds:uri="http://schemas.microsoft.com/office/2006/metadata/properties"/>
+    <ds:schemaRef ds:uri="http://schemas.microsoft.com/office/infopath/2007/PartnerControls"/>
+    <ds:schemaRef ds:uri="71af3243-3dd4-4a8d-8c0d-dd76da1f02a5"/>
   </ds:schemaRefs>
 </ds:datastoreItem>
 </file>
 
 <file path=customXml/itemProps2.xml><?xml version="1.0" encoding="utf-8"?>
-<ds:datastoreItem xmlns:ds="http://schemas.openxmlformats.org/officeDocument/2006/customXml" ds:itemID="{99919F73-B6C2-4A43-95E2-833EC48925FE}">
+<ds:datastoreItem xmlns:ds="http://schemas.openxmlformats.org/officeDocument/2006/customXml" ds:itemID="{3C8E00D1-8EA3-4E42-801D-0253E1EAFC21}">
   <ds:schemaRefs>
-    <ds:schemaRef ds:uri="http://schemas.microsoft.com/office/2006/metadata/properties"/>
-    <ds:schemaRef ds:uri="http://schemas.microsoft.com/office/infopath/2007/PartnerControls"/>
-    <ds:schemaRef ds:uri="71af3243-3dd4-4a8d-8c0d-dd76da1f02a5"/>
+    <ds:schemaRef ds:uri="http://schemas.microsoft.com/sharepoint/v3/contenttype/forms"/>
   </ds:schemaRefs>
 </ds:datastoreItem>
 </file>

--- a/project-1-nhl.pptx
+++ b/project-1-nhl.pptx
@@ -16936,7 +16936,7 @@
                 <a:ea typeface="+mj-ea"/>
                 <a:cs typeface="+mj-cs"/>
               </a:rPr>
-              <a:t>NHL winning team analysis</a:t>
+              <a:t>NHL  winning team analysis</a:t>
             </a:r>
           </a:p>
         </p:txBody>
@@ -19466,6 +19466,14 @@
           <a:p>
             <a:pPr lvl="1"/>
             <a:r>
+              <a:rPr lang="en-US" sz="1600" dirty="0"/>
+              <a:t>More PPG equates to a higher overall point value and not a substitute for regular goals.</a:t>
+            </a:r>
+            <a:endParaRPr lang="en-US" sz="1600" kern="1200" dirty="0"/>
+          </a:p>
+          <a:p>
+            <a:pPr lvl="1"/>
+            <a:r>
               <a:rPr lang="en-US" sz="1600" kern="1200" dirty="0"/>
               <a:t>It is favorable and improves the likelihood of winning to have more consistency amongst contributing players vs having </a:t>
             </a:r>
@@ -19490,11 +19498,7 @@
             <a:pPr lvl="1"/>
             <a:r>
               <a:rPr lang="en-US" sz="1600" dirty="0"/>
-              <a:t>Future analysis reviewing Stanley Cup Finals’ data only, can provide greater variability in data points and provide additional trending, influencing </a:t>
-            </a:r>
-            <a:r>
-              <a:rPr lang="en-US" sz="1600"/>
-              <a:t>additional recommendations.</a:t>
+              <a:t>Future analysis reviewing Stanley Cup Finals’ data only, can provide greater variability in data points and provide additional trending, influencing additional recommendations.</a:t>
             </a:r>
             <a:endParaRPr lang="en-US" sz="1600" kern="1200" dirty="0"/>
           </a:p>
@@ -20082,6 +20086,52 @@
                               <p:par>
                                 <p:cTn id="20" presetID="10" presetClass="entr" presetSubtype="0" fill="hold" grpId="0" nodeType="withEffect">
                                   <p:stCondLst>
+                                    <p:cond delay="1000"/>
+                                  </p:stCondLst>
+                                  <p:iterate type="wd">
+                                    <p:tmPct val="15000"/>
+                                  </p:iterate>
+                                  <p:childTnLst>
+                                    <p:set>
+                                      <p:cBhvr>
+                                        <p:cTn id="21" dur="1" fill="hold">
+                                          <p:stCondLst>
+                                            <p:cond delay="0"/>
+                                          </p:stCondLst>
+                                        </p:cTn>
+                                        <p:tgtEl>
+                                          <p:spTgt spid="8">
+                                            <p:txEl>
+                                              <p:pRg st="5" end="5"/>
+                                            </p:txEl>
+                                          </p:spTgt>
+                                        </p:tgtEl>
+                                        <p:attrNameLst>
+                                          <p:attrName>style.visibility</p:attrName>
+                                        </p:attrNameLst>
+                                      </p:cBhvr>
+                                      <p:to>
+                                        <p:strVal val="visible"/>
+                                      </p:to>
+                                    </p:set>
+                                    <p:animEffect transition="in" filter="fade">
+                                      <p:cBhvr>
+                                        <p:cTn id="22" dur="1000"/>
+                                        <p:tgtEl>
+                                          <p:spTgt spid="8">
+                                            <p:txEl>
+                                              <p:pRg st="5" end="5"/>
+                                            </p:txEl>
+                                          </p:spTgt>
+                                        </p:tgtEl>
+                                      </p:cBhvr>
+                                    </p:animEffect>
+                                  </p:childTnLst>
+                                </p:cTn>
+                              </p:par>
+                              <p:par>
+                                <p:cTn id="23" presetID="10" presetClass="entr" presetSubtype="0" fill="hold" grpId="0" nodeType="withEffect">
+                                  <p:stCondLst>
                                     <p:cond delay="500"/>
                                   </p:stCondLst>
                                   <p:iterate type="wd">
@@ -20090,7 +20140,7 @@
                                   <p:childTnLst>
                                     <p:set>
                                       <p:cBhvr>
-                                        <p:cTn id="21" dur="1" fill="hold">
+                                        <p:cTn id="24" dur="1" fill="hold">
                                           <p:stCondLst>
                                             <p:cond delay="0"/>
                                           </p:stCondLst>
@@ -20108,7 +20158,7 @@
                                     </p:set>
                                     <p:animEffect transition="in" filter="fade">
                                       <p:cBhvr>
-                                        <p:cTn id="22" dur="1000"/>
+                                        <p:cTn id="25" dur="1000"/>
                                         <p:tgtEl>
                                           <p:spTgt spid="2"/>
                                         </p:tgtEl>
